--- a/Homework1/Homework1.pptx
+++ b/Homework1/Homework1.pptx
@@ -293,7 +293,7 @@
             <a:fld id="{248B578B-EA48-4314-85C3-B6FEC3F8C475}" type="datetimeFigureOut">
               <a:rPr lang="zh-TW" altLang="en-US" smtClean="0"/>
               <a:pPr/>
-              <a:t>2016/3/11</a:t>
+              <a:t>2016/3/20</a:t>
             </a:fld>
             <a:endParaRPr lang="zh-TW" altLang="en-US"/>
           </a:p>
@@ -460,7 +460,7 @@
             <a:fld id="{248B578B-EA48-4314-85C3-B6FEC3F8C475}" type="datetimeFigureOut">
               <a:rPr lang="zh-TW" altLang="en-US" smtClean="0"/>
               <a:pPr/>
-              <a:t>2016/3/11</a:t>
+              <a:t>2016/3/20</a:t>
             </a:fld>
             <a:endParaRPr lang="zh-TW" altLang="en-US"/>
           </a:p>
@@ -637,7 +637,7 @@
             <a:fld id="{248B578B-EA48-4314-85C3-B6FEC3F8C475}" type="datetimeFigureOut">
               <a:rPr lang="zh-TW" altLang="en-US" smtClean="0"/>
               <a:pPr/>
-              <a:t>2016/3/11</a:t>
+              <a:t>2016/3/20</a:t>
             </a:fld>
             <a:endParaRPr lang="zh-TW" altLang="en-US"/>
           </a:p>
@@ -804,7 +804,7 @@
             <a:fld id="{248B578B-EA48-4314-85C3-B6FEC3F8C475}" type="datetimeFigureOut">
               <a:rPr lang="zh-TW" altLang="en-US" smtClean="0"/>
               <a:pPr/>
-              <a:t>2016/3/11</a:t>
+              <a:t>2016/3/20</a:t>
             </a:fld>
             <a:endParaRPr lang="zh-TW" altLang="en-US"/>
           </a:p>
@@ -1047,7 +1047,7 @@
             <a:fld id="{248B578B-EA48-4314-85C3-B6FEC3F8C475}" type="datetimeFigureOut">
               <a:rPr lang="zh-TW" altLang="en-US" smtClean="0"/>
               <a:pPr/>
-              <a:t>2016/3/11</a:t>
+              <a:t>2016/3/20</a:t>
             </a:fld>
             <a:endParaRPr lang="zh-TW" altLang="en-US"/>
           </a:p>
@@ -1332,7 +1332,7 @@
             <a:fld id="{248B578B-EA48-4314-85C3-B6FEC3F8C475}" type="datetimeFigureOut">
               <a:rPr lang="zh-TW" altLang="en-US" smtClean="0"/>
               <a:pPr/>
-              <a:t>2016/3/11</a:t>
+              <a:t>2016/3/20</a:t>
             </a:fld>
             <a:endParaRPr lang="zh-TW" altLang="en-US"/>
           </a:p>
@@ -1751,7 +1751,7 @@
             <a:fld id="{248B578B-EA48-4314-85C3-B6FEC3F8C475}" type="datetimeFigureOut">
               <a:rPr lang="zh-TW" altLang="en-US" smtClean="0"/>
               <a:pPr/>
-              <a:t>2016/3/11</a:t>
+              <a:t>2016/3/20</a:t>
             </a:fld>
             <a:endParaRPr lang="zh-TW" altLang="en-US"/>
           </a:p>
@@ -1866,7 +1866,7 @@
             <a:fld id="{248B578B-EA48-4314-85C3-B6FEC3F8C475}" type="datetimeFigureOut">
               <a:rPr lang="zh-TW" altLang="en-US" smtClean="0"/>
               <a:pPr/>
-              <a:t>2016/3/11</a:t>
+              <a:t>2016/3/20</a:t>
             </a:fld>
             <a:endParaRPr lang="zh-TW" altLang="en-US"/>
           </a:p>
@@ -1958,7 +1958,7 @@
             <a:fld id="{248B578B-EA48-4314-85C3-B6FEC3F8C475}" type="datetimeFigureOut">
               <a:rPr lang="zh-TW" altLang="en-US" smtClean="0"/>
               <a:pPr/>
-              <a:t>2016/3/11</a:t>
+              <a:t>2016/3/20</a:t>
             </a:fld>
             <a:endParaRPr lang="zh-TW" altLang="en-US"/>
           </a:p>
@@ -2232,7 +2232,7 @@
             <a:fld id="{248B578B-EA48-4314-85C3-B6FEC3F8C475}" type="datetimeFigureOut">
               <a:rPr lang="zh-TW" altLang="en-US" smtClean="0"/>
               <a:pPr/>
-              <a:t>2016/3/11</a:t>
+              <a:t>2016/3/20</a:t>
             </a:fld>
             <a:endParaRPr lang="zh-TW" altLang="en-US"/>
           </a:p>
@@ -2482,7 +2482,7 @@
             <a:fld id="{248B578B-EA48-4314-85C3-B6FEC3F8C475}" type="datetimeFigureOut">
               <a:rPr lang="zh-TW" altLang="en-US" smtClean="0"/>
               <a:pPr/>
-              <a:t>2016/3/11</a:t>
+              <a:t>2016/3/20</a:t>
             </a:fld>
             <a:endParaRPr lang="zh-TW" altLang="en-US"/>
           </a:p>
@@ -2692,7 +2692,7 @@
             <a:fld id="{248B578B-EA48-4314-85C3-B6FEC3F8C475}" type="datetimeFigureOut">
               <a:rPr lang="zh-TW" altLang="en-US" smtClean="0"/>
               <a:pPr/>
-              <a:t>2016/3/11</a:t>
+              <a:t>2016/3/20</a:t>
             </a:fld>
             <a:endParaRPr lang="zh-TW" altLang="en-US"/>
           </a:p>
@@ -3116,8 +3116,8 @@
         </p:nvSpPr>
         <p:spPr>
           <a:xfrm>
-            <a:off x="3275856" y="4365104"/>
-            <a:ext cx="2520280" cy="492443"/>
+            <a:off x="3275856" y="4941168"/>
+            <a:ext cx="2520280" cy="461665"/>
           </a:xfrm>
           <a:prstGeom prst="rect">
             <a:avLst/>
@@ -3132,26 +3132,57 @@
           <a:p>
             <a:pPr algn="ctr"/>
             <a:r>
-              <a:rPr lang="zh-TW" altLang="en-US" sz="2600" dirty="0" smtClean="0">
+              <a:rPr lang="zh-TW" altLang="en-US" sz="2400" dirty="0" smtClean="0">
                 <a:ea typeface="微軟正黑體" pitchFamily="34" charset="-120"/>
               </a:rPr>
               <a:t>學生</a:t>
             </a:r>
             <a:r>
-              <a:rPr lang="en-US" altLang="zh-TW" sz="2600" dirty="0" smtClean="0">
+              <a:rPr lang="en-US" altLang="zh-TW" sz="2400" dirty="0" smtClean="0">
                 <a:ea typeface="微軟正黑體" pitchFamily="34" charset="-120"/>
               </a:rPr>
               <a:t>:</a:t>
             </a:r>
             <a:r>
-              <a:rPr lang="zh-TW" altLang="en-US" sz="2600" dirty="0" smtClean="0">
+              <a:rPr lang="zh-TW" altLang="en-US" sz="2400" dirty="0" smtClean="0">
                 <a:ea typeface="微軟正黑體" pitchFamily="34" charset="-120"/>
               </a:rPr>
               <a:t> 曾斌誠</a:t>
             </a:r>
-            <a:endParaRPr lang="zh-TW" altLang="en-US" sz="2600" dirty="0">
+            <a:endParaRPr lang="zh-TW" altLang="en-US" sz="2400" dirty="0">
               <a:ea typeface="微軟正黑體" pitchFamily="34" charset="-120"/>
             </a:endParaRPr>
+          </a:p>
+        </p:txBody>
+      </p:sp>
+      <p:sp>
+        <p:nvSpPr>
+          <p:cNvPr id="6" name="文字方塊 5"/>
+          <p:cNvSpPr txBox="1"/>
+          <p:nvPr/>
+        </p:nvSpPr>
+        <p:spPr>
+          <a:xfrm>
+            <a:off x="3347864" y="3789040"/>
+            <a:ext cx="2304256" cy="492443"/>
+          </a:xfrm>
+          <a:prstGeom prst="rect">
+            <a:avLst/>
+          </a:prstGeom>
+          <a:noFill/>
+        </p:spPr>
+        <p:txBody>
+          <a:bodyPr wrap="square" rtlCol="0">
+            <a:spAutoFit/>
+          </a:bodyPr>
+          <a:lstStyle/>
+          <a:p>
+            <a:pPr algn="ctr"/>
+            <a:r>
+              <a:rPr lang="en-US" altLang="zh-TW" sz="2600" dirty="0" smtClean="0"/>
+              <a:t>Homework1</a:t>
+            </a:r>
+            <a:endParaRPr lang="zh-TW" altLang="en-US" sz="2600" dirty="0"/>
           </a:p>
         </p:txBody>
       </p:sp>
@@ -3844,7 +3875,6 @@
               <a:rPr lang="en-US" altLang="zh-TW" dirty="0" smtClean="0"/>
               <a:t>}</a:t>
             </a:r>
-            <a:endParaRPr lang="en-US" altLang="zh-TW" dirty="0" smtClean="0"/>
           </a:p>
           <a:p>
             <a:endParaRPr lang="en-US" altLang="zh-TW" dirty="0" smtClean="0"/>
